--- a/Olivias Build/Olivia PT 5.pptx
+++ b/Olivias Build/Olivia PT 5.pptx
@@ -303,7 +303,7 @@
           <a:p>
             <a:fld id="{4AAD347D-5ACD-4C99-B74B-A9C85AD731AF}" type="datetimeFigureOut">
               <a:rPr lang="en-US" dirty="0"/>
-              <a:t>12/6/2021</a:t>
+              <a:t>12/13/2021</a:t>
             </a:fld>
             <a:endParaRPr lang="en-US" dirty="0"/>
           </a:p>
@@ -573,7 +573,7 @@
           <a:p>
             <a:fld id="{4509A250-FF31-4206-8172-F9D3106AACB1}" type="datetimeFigureOut">
               <a:rPr lang="en-US" dirty="0"/>
-              <a:t>12/6/2021</a:t>
+              <a:t>12/13/2021</a:t>
             </a:fld>
             <a:endParaRPr lang="en-US" dirty="0"/>
           </a:p>
@@ -762,7 +762,7 @@
           <a:p>
             <a:fld id="{4509A250-FF31-4206-8172-F9D3106AACB1}" type="datetimeFigureOut">
               <a:rPr lang="en-US" dirty="0"/>
-              <a:t>12/6/2021</a:t>
+              <a:t>12/13/2021</a:t>
             </a:fld>
             <a:endParaRPr lang="en-US" dirty="0"/>
           </a:p>
@@ -1030,7 +1030,7 @@
           <a:p>
             <a:fld id="{4509A250-FF31-4206-8172-F9D3106AACB1}" type="datetimeFigureOut">
               <a:rPr lang="en-US" dirty="0"/>
-              <a:t>12/6/2021</a:t>
+              <a:t>12/13/2021</a:t>
             </a:fld>
             <a:endParaRPr lang="en-US" dirty="0"/>
           </a:p>
@@ -1366,7 +1366,7 @@
           <a:p>
             <a:fld id="{4509A250-FF31-4206-8172-F9D3106AACB1}" type="datetimeFigureOut">
               <a:rPr lang="en-US" dirty="0"/>
-              <a:t>12/6/2021</a:t>
+              <a:t>12/13/2021</a:t>
             </a:fld>
             <a:endParaRPr lang="en-US" dirty="0"/>
           </a:p>
@@ -1984,7 +1984,7 @@
           <a:p>
             <a:fld id="{4509A250-FF31-4206-8172-F9D3106AACB1}" type="datetimeFigureOut">
               <a:rPr lang="en-US" dirty="0"/>
-              <a:t>12/6/2021</a:t>
+              <a:t>12/13/2021</a:t>
             </a:fld>
             <a:endParaRPr lang="en-US" dirty="0"/>
           </a:p>
@@ -2839,7 +2839,7 @@
           <a:p>
             <a:fld id="{4509A250-FF31-4206-8172-F9D3106AACB1}" type="datetimeFigureOut">
               <a:rPr lang="en-US" dirty="0"/>
-              <a:t>12/6/2021</a:t>
+              <a:t>12/13/2021</a:t>
             </a:fld>
             <a:endParaRPr lang="en-US" dirty="0"/>
           </a:p>
@@ -3004,7 +3004,7 @@
           <a:p>
             <a:fld id="{4509A250-FF31-4206-8172-F9D3106AACB1}" type="datetimeFigureOut">
               <a:rPr lang="en-US" dirty="0"/>
-              <a:t>12/6/2021</a:t>
+              <a:t>12/13/2021</a:t>
             </a:fld>
             <a:endParaRPr lang="en-US" dirty="0"/>
           </a:p>
@@ -3179,7 +3179,7 @@
           <a:p>
             <a:fld id="{4509A250-FF31-4206-8172-F9D3106AACB1}" type="datetimeFigureOut">
               <a:rPr lang="en-US" dirty="0"/>
-              <a:t>12/6/2021</a:t>
+              <a:t>12/13/2021</a:t>
             </a:fld>
             <a:endParaRPr lang="en-US" dirty="0"/>
           </a:p>
@@ -3344,7 +3344,7 @@
           <a:p>
             <a:fld id="{4509A250-FF31-4206-8172-F9D3106AACB1}" type="datetimeFigureOut">
               <a:rPr lang="en-US" dirty="0"/>
-              <a:t>12/6/2021</a:t>
+              <a:t>12/13/2021</a:t>
             </a:fld>
             <a:endParaRPr lang="en-US" dirty="0"/>
           </a:p>
@@ -3586,7 +3586,7 @@
           <a:p>
             <a:fld id="{9796027F-7875-4030-9381-8BD8C4F21935}" type="datetimeFigureOut">
               <a:rPr lang="en-US" dirty="0"/>
-              <a:t>12/6/2021</a:t>
+              <a:t>12/13/2021</a:t>
             </a:fld>
             <a:endParaRPr lang="en-US" dirty="0"/>
           </a:p>
@@ -3873,7 +3873,7 @@
           <a:p>
             <a:fld id="{9796027F-7875-4030-9381-8BD8C4F21935}" type="datetimeFigureOut">
               <a:rPr lang="en-US" dirty="0"/>
-              <a:t>12/6/2021</a:t>
+              <a:t>12/13/2021</a:t>
             </a:fld>
             <a:endParaRPr lang="en-US" dirty="0"/>
           </a:p>
@@ -4312,7 +4312,7 @@
           <a:p>
             <a:fld id="{9796027F-7875-4030-9381-8BD8C4F21935}" type="datetimeFigureOut">
               <a:rPr lang="en-US" dirty="0"/>
-              <a:t>12/6/2021</a:t>
+              <a:t>12/13/2021</a:t>
             </a:fld>
             <a:endParaRPr lang="en-US" dirty="0"/>
           </a:p>
@@ -4425,7 +4425,7 @@
           <a:p>
             <a:fld id="{4509A250-FF31-4206-8172-F9D3106AACB1}" type="datetimeFigureOut">
               <a:rPr lang="en-US" dirty="0"/>
-              <a:t>12/6/2021</a:t>
+              <a:t>12/13/2021</a:t>
             </a:fld>
             <a:endParaRPr lang="en-US" dirty="0"/>
           </a:p>
@@ -4515,7 +4515,7 @@
           <a:p>
             <a:fld id="{4509A250-FF31-4206-8172-F9D3106AACB1}" type="datetimeFigureOut">
               <a:rPr lang="en-US" dirty="0"/>
-              <a:t>12/6/2021</a:t>
+              <a:t>12/13/2021</a:t>
             </a:fld>
             <a:endParaRPr lang="en-US" dirty="0"/>
           </a:p>
@@ -4789,7 +4789,7 @@
           <a:p>
             <a:fld id="{4509A250-FF31-4206-8172-F9D3106AACB1}" type="datetimeFigureOut">
               <a:rPr lang="en-US" dirty="0"/>
-              <a:t>12/6/2021</a:t>
+              <a:t>12/13/2021</a:t>
             </a:fld>
             <a:endParaRPr lang="en-US" dirty="0"/>
           </a:p>
@@ -5059,7 +5059,7 @@
           <a:p>
             <a:fld id="{4509A250-FF31-4206-8172-F9D3106AACB1}" type="datetimeFigureOut">
               <a:rPr lang="en-US" dirty="0"/>
-              <a:t>12/6/2021</a:t>
+              <a:t>12/13/2021</a:t>
             </a:fld>
             <a:endParaRPr lang="en-US" dirty="0"/>
           </a:p>
@@ -5483,7 +5483,7 @@
           <a:p>
             <a:fld id="{4AAD347D-5ACD-4C99-B74B-A9C85AD731AF}" type="datetimeFigureOut">
               <a:rPr lang="en-US" dirty="0"/>
-              <a:t>12/6/2021</a:t>
+              <a:t>12/13/2021</a:t>
             </a:fld>
             <a:endParaRPr lang="en-US" dirty="0"/>
           </a:p>
